--- a/ML_ALLART_BURLISSON.pptx
+++ b/ML_ALLART_BURLISSON.pptx
@@ -9948,36 +9948,56 @@
               <a:t> : « </a:t>
             </a:r>
             <a:r>
-              <a:rPr lang="fr-FR" sz="1400" dirty="0" err="1"/>
+              <a:rPr lang="fr-FR" sz="1400" dirty="0" err="1">
+                <a:hlinkClick r:id="rId3"/>
+              </a:rPr>
               <a:t>Health</a:t>
             </a:r>
             <a:r>
+              <a:rPr lang="fr-FR" sz="1400" dirty="0">
+                <a:hlinkClick r:id="rId3"/>
+              </a:rPr>
+              <a:t> </a:t>
+            </a:r>
+            <a:r>
+              <a:rPr lang="fr-FR" sz="1400" dirty="0" err="1">
+                <a:hlinkClick r:id="rId3"/>
+              </a:rPr>
+              <a:t>Insurance</a:t>
+            </a:r>
+            <a:r>
+              <a:rPr lang="fr-FR" sz="1400" dirty="0">
+                <a:hlinkClick r:id="rId3"/>
+              </a:rPr>
+              <a:t> Cross </a:t>
+            </a:r>
+            <a:r>
+              <a:rPr lang="fr-FR" sz="1400" dirty="0" err="1">
+                <a:hlinkClick r:id="rId3"/>
+              </a:rPr>
+              <a:t>Sell</a:t>
+            </a:r>
+            <a:r>
+              <a:rPr lang="fr-FR" sz="1400" dirty="0">
+                <a:hlinkClick r:id="rId3"/>
+              </a:rPr>
+              <a:t> </a:t>
+            </a:r>
+            <a:r>
+              <a:rPr lang="fr-FR" sz="1400" dirty="0" err="1">
+                <a:hlinkClick r:id="rId3"/>
+              </a:rPr>
+              <a:t>Prediction</a:t>
+            </a:r>
+            <a:r>
+              <a:rPr lang="fr-FR" sz="1400" dirty="0">
+                <a:hlinkClick r:id="rId3"/>
+              </a:rPr>
+              <a:t> </a:t>
+            </a:r>
+            <a:r>
               <a:rPr lang="fr-FR" sz="1400" dirty="0"/>
-              <a:t> </a:t>
-            </a:r>
-            <a:r>
-              <a:rPr lang="fr-FR" sz="1400" dirty="0" err="1"/>
-              <a:t>Insurance</a:t>
-            </a:r>
-            <a:r>
-              <a:rPr lang="fr-FR" sz="1400" dirty="0"/>
-              <a:t> Cross </a:t>
-            </a:r>
-            <a:r>
-              <a:rPr lang="fr-FR" sz="1400" dirty="0" err="1"/>
-              <a:t>Sell</a:t>
-            </a:r>
-            <a:r>
-              <a:rPr lang="fr-FR" sz="1400" dirty="0"/>
-              <a:t> </a:t>
-            </a:r>
-            <a:r>
-              <a:rPr lang="fr-FR" sz="1400" dirty="0" err="1"/>
-              <a:t>Prediction</a:t>
-            </a:r>
-            <a:r>
-              <a:rPr lang="fr-FR" sz="1400" dirty="0"/>
-              <a:t> ». Ils proposent une base de données d’entrainement et de test, avec les informations par clients et si le client est intéressé.</a:t>
+              <a:t>». Ils proposent une base de données d’entrainement et de test, avec les informations par clients et si le client est intéressé.</a:t>
             </a:r>
           </a:p>
           <a:p>

--- a/ML_ALLART_BURLISSON.pptx
+++ b/ML_ALLART_BURLISSON.pptx
@@ -8993,36 +8993,6 @@
           </a:p>
         </p:txBody>
       </p:sp>
-      <p:pic>
-        <p:nvPicPr>
-          <p:cNvPr id="5" name="Image 4" descr="Une image contenant texte, capture d’écran, diagramme, Police&#10;&#10;Description générée automatiquement">
-            <a:extLst>
-              <a:ext uri="{FF2B5EF4-FFF2-40B4-BE49-F238E27FC236}">
-                <a16:creationId xmlns:a16="http://schemas.microsoft.com/office/drawing/2014/main" id="{2F451558-17B9-BC79-3A9E-F843711D1DE6}"/>
-              </a:ext>
-            </a:extLst>
-          </p:cNvPr>
-          <p:cNvPicPr>
-            <a:picLocks noChangeAspect="1"/>
-          </p:cNvPicPr>
-          <p:nvPr/>
-        </p:nvPicPr>
-        <p:blipFill>
-          <a:blip r:embed="rId2"/>
-          <a:stretch>
-            <a:fillRect/>
-          </a:stretch>
-        </p:blipFill>
-        <p:spPr>
-          <a:xfrm>
-            <a:off x="942109" y="2055497"/>
-            <a:ext cx="4347183" cy="2173592"/>
-          </a:xfrm>
-          <a:prstGeom prst="rect">
-            <a:avLst/>
-          </a:prstGeom>
-        </p:spPr>
-      </p:pic>
       <p:sp>
         <p:nvSpPr>
           <p:cNvPr id="6" name="Google Shape;103;p18">
@@ -9066,7 +9036,7 @@
             </a:pPr>
             <a:r>
               <a:rPr lang="fr-FR" sz="1600" dirty="0"/>
-              <a:t>Score du hackathon : </a:t>
+              <a:t>Score du hackathon (sur l’ensemble de test) : </a:t>
             </a:r>
           </a:p>
           <a:p>
@@ -9094,16 +9064,6 @@
               <a:rPr lang="fr-FR" sz="1400" dirty="0"/>
               <a:t>Le taux d’erreur de classification est de 42.74 %.</a:t>
             </a:r>
-          </a:p>
-          <a:p>
-            <a:pPr marL="508000" lvl="1" indent="0" algn="just">
-              <a:spcBef>
-                <a:spcPts val="0"/>
-              </a:spcBef>
-              <a:buSzPts val="1400"/>
-              <a:buNone/>
-            </a:pPr>
-            <a:endParaRPr lang="fr-FR" sz="1400" dirty="0"/>
           </a:p>
           <a:p>
             <a:pPr marL="444500" indent="-342900">
@@ -9134,14 +9094,44 @@
           <p:nvPr/>
         </p:nvPicPr>
         <p:blipFill>
-          <a:blip r:embed="rId3"/>
+          <a:blip r:embed="rId2"/>
           <a:srcRect t="9057" b="6289"/>
           <a:stretch/>
         </p:blipFill>
         <p:spPr>
           <a:xfrm>
-            <a:off x="5443074" y="2055497"/>
-            <a:ext cx="2916764" cy="2322540"/>
+            <a:off x="5340926" y="2278120"/>
+            <a:ext cx="2651765" cy="1877292"/>
+          </a:xfrm>
+          <a:prstGeom prst="rect">
+            <a:avLst/>
+          </a:prstGeom>
+        </p:spPr>
+      </p:pic>
+      <p:pic>
+        <p:nvPicPr>
+          <p:cNvPr id="4" name="Image 3" descr="Une image contenant texte, capture d’écran, diagramme, nombre&#10;&#10;Description générée automatiquement">
+            <a:extLst>
+              <a:ext uri="{FF2B5EF4-FFF2-40B4-BE49-F238E27FC236}">
+                <a16:creationId xmlns:a16="http://schemas.microsoft.com/office/drawing/2014/main" id="{33D2F7C1-E5BB-464A-446D-083E027A367E}"/>
+              </a:ext>
+            </a:extLst>
+          </p:cNvPr>
+          <p:cNvPicPr>
+            <a:picLocks noChangeAspect="1"/>
+          </p:cNvPicPr>
+          <p:nvPr/>
+        </p:nvPicPr>
+        <p:blipFill>
+          <a:blip r:embed="rId3"/>
+          <a:stretch>
+            <a:fillRect/>
+          </a:stretch>
+        </p:blipFill>
+        <p:spPr>
+          <a:xfrm>
+            <a:off x="910068" y="1819189"/>
+            <a:ext cx="3261014" cy="2795155"/>
           </a:xfrm>
           <a:prstGeom prst="rect">
             <a:avLst/>
